--- a/HC-SR04 & VL53LOX/HC-SR04  & VL53LOX.pptx
+++ b/HC-SR04 & VL53LOX/HC-SR04  & VL53LOX.pptx
@@ -238,7 +238,7 @@
           <a:p>
             <a:fld id="{2B01A676-8076-4E36-9960-C8264E731BD6}" type="datetimeFigureOut">
               <a:rPr lang="de-DE" smtClean="0"/>
-              <a:t>05.04.2024</a:t>
+              <a:t>13.04.2024</a:t>
             </a:fld>
             <a:endParaRPr lang="de-DE"/>
           </a:p>
@@ -684,7 +684,7 @@
           <a:p>
             <a:fld id="{B07AD46F-2F75-46F6-AA85-6A7FBE787D59}" type="datetimeFigureOut">
               <a:rPr lang="de-DE" smtClean="0"/>
-              <a:t>05.04.2024</a:t>
+              <a:t>13.04.2024</a:t>
             </a:fld>
             <a:endParaRPr lang="de-DE"/>
           </a:p>
@@ -852,7 +852,7 @@
           <a:p>
             <a:fld id="{B07AD46F-2F75-46F6-AA85-6A7FBE787D59}" type="datetimeFigureOut">
               <a:rPr lang="de-DE" smtClean="0"/>
-              <a:t>05.04.2024</a:t>
+              <a:t>13.04.2024</a:t>
             </a:fld>
             <a:endParaRPr lang="de-DE"/>
           </a:p>
@@ -1030,7 +1030,7 @@
           <a:p>
             <a:fld id="{B07AD46F-2F75-46F6-AA85-6A7FBE787D59}" type="datetimeFigureOut">
               <a:rPr lang="de-DE" smtClean="0"/>
-              <a:t>05.04.2024</a:t>
+              <a:t>13.04.2024</a:t>
             </a:fld>
             <a:endParaRPr lang="de-DE"/>
           </a:p>
@@ -1198,7 +1198,7 @@
           <a:p>
             <a:fld id="{B07AD46F-2F75-46F6-AA85-6A7FBE787D59}" type="datetimeFigureOut">
               <a:rPr lang="de-DE" smtClean="0"/>
-              <a:t>05.04.2024</a:t>
+              <a:t>13.04.2024</a:t>
             </a:fld>
             <a:endParaRPr lang="de-DE"/>
           </a:p>
@@ -1443,7 +1443,7 @@
           <a:p>
             <a:fld id="{B07AD46F-2F75-46F6-AA85-6A7FBE787D59}" type="datetimeFigureOut">
               <a:rPr lang="de-DE" smtClean="0"/>
-              <a:t>05.04.2024</a:t>
+              <a:t>13.04.2024</a:t>
             </a:fld>
             <a:endParaRPr lang="de-DE"/>
           </a:p>
@@ -1728,7 +1728,7 @@
           <a:p>
             <a:fld id="{B07AD46F-2F75-46F6-AA85-6A7FBE787D59}" type="datetimeFigureOut">
               <a:rPr lang="de-DE" smtClean="0"/>
-              <a:t>05.04.2024</a:t>
+              <a:t>13.04.2024</a:t>
             </a:fld>
             <a:endParaRPr lang="de-DE"/>
           </a:p>
@@ -2147,7 +2147,7 @@
           <a:p>
             <a:fld id="{B07AD46F-2F75-46F6-AA85-6A7FBE787D59}" type="datetimeFigureOut">
               <a:rPr lang="de-DE" smtClean="0"/>
-              <a:t>05.04.2024</a:t>
+              <a:t>13.04.2024</a:t>
             </a:fld>
             <a:endParaRPr lang="de-DE"/>
           </a:p>
@@ -2264,7 +2264,7 @@
           <a:p>
             <a:fld id="{B07AD46F-2F75-46F6-AA85-6A7FBE787D59}" type="datetimeFigureOut">
               <a:rPr lang="de-DE" smtClean="0"/>
-              <a:t>05.04.2024</a:t>
+              <a:t>13.04.2024</a:t>
             </a:fld>
             <a:endParaRPr lang="de-DE"/>
           </a:p>
@@ -2359,7 +2359,7 @@
           <a:p>
             <a:fld id="{B07AD46F-2F75-46F6-AA85-6A7FBE787D59}" type="datetimeFigureOut">
               <a:rPr lang="de-DE" smtClean="0"/>
-              <a:t>05.04.2024</a:t>
+              <a:t>13.04.2024</a:t>
             </a:fld>
             <a:endParaRPr lang="de-DE"/>
           </a:p>
@@ -2634,7 +2634,7 @@
           <a:p>
             <a:fld id="{B07AD46F-2F75-46F6-AA85-6A7FBE787D59}" type="datetimeFigureOut">
               <a:rPr lang="de-DE" smtClean="0"/>
-              <a:t>05.04.2024</a:t>
+              <a:t>13.04.2024</a:t>
             </a:fld>
             <a:endParaRPr lang="de-DE"/>
           </a:p>
@@ -2886,7 +2886,7 @@
           <a:p>
             <a:fld id="{B07AD46F-2F75-46F6-AA85-6A7FBE787D59}" type="datetimeFigureOut">
               <a:rPr lang="de-DE" smtClean="0"/>
-              <a:t>05.04.2024</a:t>
+              <a:t>13.04.2024</a:t>
             </a:fld>
             <a:endParaRPr lang="de-DE"/>
           </a:p>
@@ -3097,7 +3097,7 @@
           <a:p>
             <a:fld id="{B07AD46F-2F75-46F6-AA85-6A7FBE787D59}" type="datetimeFigureOut">
               <a:rPr lang="de-DE" smtClean="0"/>
-              <a:t>05.04.2024</a:t>
+              <a:t>13.04.2024</a:t>
             </a:fld>
             <a:endParaRPr lang="de-DE"/>
           </a:p>
@@ -33729,14 +33729,14 @@
           <p:nvPr>
             <p:extLst>
               <p:ext uri="{D42A27DB-BD31-4B8C-83A1-F6EECF244321}">
-                <p14:modId xmlns:p14="http://schemas.microsoft.com/office/powerpoint/2010/main" val="2206773806"/>
+                <p14:modId xmlns:p14="http://schemas.microsoft.com/office/powerpoint/2010/main" val="357202496"/>
               </p:ext>
             </p:extLst>
           </p:nvPr>
         </p:nvGraphicFramePr>
         <p:xfrm>
           <a:off x="267086" y="294771"/>
-          <a:ext cx="8645406" cy="3960534"/>
+          <a:ext cx="8645406" cy="4021494"/>
         </p:xfrm>
         <a:graphic>
           <a:graphicData uri="http://schemas.openxmlformats.org/drawingml/2006/table">
@@ -34351,7 +34351,7 @@
                           <a:ea typeface="+mn-ea"/>
                           <a:cs typeface="+mn-cs"/>
                         </a:rPr>
-                        <a:t>12</a:t>
+                        <a:t>-12</a:t>
                       </a:r>
                       <a:r>
                         <a:rPr lang="de-DE" sz="1600" b="0" kern="1200" dirty="0">
@@ -34450,41 +34450,7 @@
                 </a:extLst>
               </a:tr>
               <a:tr h="278603">
-                <a:tc>
-                  <a:txBody>
-                    <a:bodyPr/>
-                    <a:lstStyle/>
-                    <a:p>
-                      <a:pPr marL="0" marR="0" indent="0" algn="l" defTabSz="876544" rtl="0" eaLnBrk="1" fontAlgn="auto" latinLnBrk="0" hangingPunct="1">
-                        <a:lnSpc>
-                          <a:spcPct val="100000"/>
-                        </a:lnSpc>
-                        <a:spcBef>
-                          <a:spcPts val="0"/>
-                        </a:spcBef>
-                        <a:spcAft>
-                          <a:spcPts val="0"/>
-                        </a:spcAft>
-                        <a:buClrTx/>
-                        <a:buSzTx/>
-                        <a:buFont typeface="Arial" panose="020B0604020202020204" pitchFamily="34" charset="0"/>
-                        <a:buNone/>
-                        <a:tabLst/>
-                        <a:defRPr/>
-                      </a:pPr>
-                      <a:endParaRPr lang="de-DE" sz="1600" b="0" kern="1200" dirty="0">
-                        <a:solidFill>
-                          <a:schemeClr val="tx1"/>
-                        </a:solidFill>
-                        <a:latin typeface="+mn-lt"/>
-                        <a:ea typeface="+mn-ea"/>
-                        <a:cs typeface="+mn-cs"/>
-                      </a:endParaRPr>
-                    </a:p>
-                  </a:txBody>
-                  <a:tcPr marT="33884" marB="33884"/>
-                </a:tc>
-                <a:tc>
+                <a:tc gridSpan="2">
                   <a:txBody>
                     <a:bodyPr/>
                     <a:lstStyle/>
@@ -34507,7 +34473,7 @@
                         <a:defRPr/>
                       </a:pPr>
                       <a:r>
-                        <a:rPr lang="de-DE" sz="1400" b="0" kern="1200" dirty="0">
+                        <a:rPr lang="de-DE" sz="1600" b="0" kern="1200" dirty="0">
                           <a:solidFill>
                             <a:schemeClr val="tx1"/>
                           </a:solidFill>
@@ -34518,14 +34484,24 @@
                         </a:rPr>
                         <a:t>https://www.neumueller.com/Downloads/News/Article/PDF/Fachartikel-Time-of-Flight-2016.pdf</a:t>
                       </a:r>
-                      <a:endParaRPr lang="de-DE" sz="1400" b="0" kern="1200" dirty="0">
-                        <a:solidFill>
-                          <a:schemeClr val="tx1"/>
-                        </a:solidFill>
-                        <a:latin typeface="+mn-lt"/>
-                        <a:ea typeface="+mn-ea"/>
-                        <a:cs typeface="+mn-cs"/>
-                      </a:endParaRPr>
+                      <a:endParaRPr lang="de-DE" sz="1600" b="0" kern="1200" dirty="0">
+                        <a:solidFill>
+                          <a:schemeClr val="tx1"/>
+                        </a:solidFill>
+                        <a:latin typeface="+mn-lt"/>
+                        <a:ea typeface="+mn-ea"/>
+                        <a:cs typeface="+mn-cs"/>
+                      </a:endParaRPr>
+                    </a:p>
+                  </a:txBody>
+                  <a:tcPr marT="33884" marB="33884"/>
+                </a:tc>
+                <a:tc hMerge="1">
+                  <a:txBody>
+                    <a:bodyPr/>
+                    <a:lstStyle/>
+                    <a:p>
+                      <a:endParaRPr dirty="0"/>
                     </a:p>
                   </a:txBody>
                   <a:tcPr marT="33884" marB="33884"/>
@@ -34537,41 +34513,7 @@
                 </a:extLst>
               </a:tr>
               <a:tr h="278603">
-                <a:tc>
-                  <a:txBody>
-                    <a:bodyPr/>
-                    <a:lstStyle/>
-                    <a:p>
-                      <a:pPr marL="0" marR="0" indent="0" algn="l" defTabSz="876544" rtl="0" eaLnBrk="1" fontAlgn="auto" latinLnBrk="0" hangingPunct="1">
-                        <a:lnSpc>
-                          <a:spcPct val="100000"/>
-                        </a:lnSpc>
-                        <a:spcBef>
-                          <a:spcPts val="0"/>
-                        </a:spcBef>
-                        <a:spcAft>
-                          <a:spcPts val="0"/>
-                        </a:spcAft>
-                        <a:buClrTx/>
-                        <a:buSzTx/>
-                        <a:buFont typeface="Arial" panose="020B0604020202020204" pitchFamily="34" charset="0"/>
-                        <a:buNone/>
-                        <a:tabLst/>
-                        <a:defRPr/>
-                      </a:pPr>
-                      <a:endParaRPr lang="de-DE" sz="1600" b="0" kern="1200" dirty="0">
-                        <a:solidFill>
-                          <a:schemeClr val="tx1"/>
-                        </a:solidFill>
-                        <a:latin typeface="+mn-lt"/>
-                        <a:ea typeface="+mn-ea"/>
-                        <a:cs typeface="+mn-cs"/>
-                      </a:endParaRPr>
-                    </a:p>
-                  </a:txBody>
-                  <a:tcPr marT="33884" marB="33884"/>
-                </a:tc>
-                <a:tc>
+                <a:tc gridSpan="2">
                   <a:txBody>
                     <a:bodyPr/>
                     <a:lstStyle/>
@@ -34594,7 +34536,7 @@
                         <a:defRPr/>
                       </a:pPr>
                       <a:r>
-                        <a:rPr lang="de-DE" sz="1400" b="0" kern="1200" dirty="0">
+                        <a:rPr lang="de-DE" sz="1600" b="0" kern="1200" dirty="0">
                           <a:solidFill>
                             <a:schemeClr val="tx1"/>
                           </a:solidFill>
@@ -34605,14 +34547,24 @@
                         </a:rPr>
                         <a:t>https://wolles-elektronikkiste.de/vl53l0x-und-vl53l1x-tof-abstandssensoren</a:t>
                       </a:r>
-                      <a:endParaRPr lang="de-DE" sz="1400" b="0" kern="1200" dirty="0">
-                        <a:solidFill>
-                          <a:schemeClr val="tx1"/>
-                        </a:solidFill>
-                        <a:latin typeface="+mn-lt"/>
-                        <a:ea typeface="+mn-ea"/>
-                        <a:cs typeface="+mn-cs"/>
-                      </a:endParaRPr>
+                      <a:endParaRPr lang="de-DE" sz="1600" b="0" kern="1200" dirty="0">
+                        <a:solidFill>
+                          <a:schemeClr val="tx1"/>
+                        </a:solidFill>
+                        <a:latin typeface="+mn-lt"/>
+                        <a:ea typeface="+mn-ea"/>
+                        <a:cs typeface="+mn-cs"/>
+                      </a:endParaRPr>
+                    </a:p>
+                  </a:txBody>
+                  <a:tcPr marT="33884" marB="33884"/>
+                </a:tc>
+                <a:tc hMerge="1">
+                  <a:txBody>
+                    <a:bodyPr/>
+                    <a:lstStyle/>
+                    <a:p>
+                      <a:endParaRPr dirty="0"/>
                     </a:p>
                   </a:txBody>
                   <a:tcPr marT="33884" marB="33884"/>
@@ -34624,41 +34576,7 @@
                 </a:extLst>
               </a:tr>
               <a:tr h="278603">
-                <a:tc>
-                  <a:txBody>
-                    <a:bodyPr/>
-                    <a:lstStyle/>
-                    <a:p>
-                      <a:pPr marL="0" marR="0" indent="0" algn="l" defTabSz="876544" rtl="0" eaLnBrk="1" fontAlgn="auto" latinLnBrk="0" hangingPunct="1">
-                        <a:lnSpc>
-                          <a:spcPct val="100000"/>
-                        </a:lnSpc>
-                        <a:spcBef>
-                          <a:spcPts val="0"/>
-                        </a:spcBef>
-                        <a:spcAft>
-                          <a:spcPts val="0"/>
-                        </a:spcAft>
-                        <a:buClrTx/>
-                        <a:buSzTx/>
-                        <a:buFont typeface="Arial" panose="020B0604020202020204" pitchFamily="34" charset="0"/>
-                        <a:buNone/>
-                        <a:tabLst/>
-                        <a:defRPr/>
-                      </a:pPr>
-                      <a:endParaRPr lang="de-DE" sz="1600" b="0" kern="1200" dirty="0">
-                        <a:solidFill>
-                          <a:schemeClr val="tx1"/>
-                        </a:solidFill>
-                        <a:latin typeface="+mn-lt"/>
-                        <a:ea typeface="+mn-ea"/>
-                        <a:cs typeface="+mn-cs"/>
-                      </a:endParaRPr>
-                    </a:p>
-                  </a:txBody>
-                  <a:tcPr marT="33884" marB="33884"/>
-                </a:tc>
-                <a:tc>
+                <a:tc gridSpan="2">
                   <a:txBody>
                     <a:bodyPr/>
                     <a:lstStyle/>
@@ -34681,7 +34599,7 @@
                         <a:defRPr/>
                       </a:pPr>
                       <a:r>
-                        <a:rPr lang="de-DE" sz="1400" b="0" kern="1200" dirty="0">
+                        <a:rPr lang="de-DE" sz="1600" b="0" kern="1200" dirty="0">
                           <a:solidFill>
                             <a:schemeClr val="tx1"/>
                           </a:solidFill>
@@ -34692,14 +34610,24 @@
                         </a:rPr>
                         <a:t>https://de.wikipedia.org/wiki/Elektrooptische_Entfernungsmessung</a:t>
                       </a:r>
-                      <a:endParaRPr lang="de-DE" sz="1400" b="0" kern="1200" dirty="0">
-                        <a:solidFill>
-                          <a:schemeClr val="tx1"/>
-                        </a:solidFill>
-                        <a:latin typeface="+mn-lt"/>
-                        <a:ea typeface="+mn-ea"/>
-                        <a:cs typeface="+mn-cs"/>
-                      </a:endParaRPr>
+                      <a:endParaRPr lang="de-DE" sz="1600" b="0" kern="1200" dirty="0">
+                        <a:solidFill>
+                          <a:schemeClr val="tx1"/>
+                        </a:solidFill>
+                        <a:latin typeface="+mn-lt"/>
+                        <a:ea typeface="+mn-ea"/>
+                        <a:cs typeface="+mn-cs"/>
+                      </a:endParaRPr>
+                    </a:p>
+                  </a:txBody>
+                  <a:tcPr marT="33884" marB="33884"/>
+                </a:tc>
+                <a:tc hMerge="1">
+                  <a:txBody>
+                    <a:bodyPr/>
+                    <a:lstStyle/>
+                    <a:p>
+                      <a:endParaRPr dirty="0"/>
                     </a:p>
                   </a:txBody>
                   <a:tcPr marT="33884" marB="33884"/>
